--- a/Unity Networking.pptx
+++ b/Unity Networking.pptx
@@ -5,7 +5,7 @@
     <p:sldMasterId id="2147483678" r:id="rId1"/>
   </p:sldMasterIdLst>
   <p:notesMasterIdLst>
-    <p:notesMasterId r:id="rId16"/>
+    <p:notesMasterId r:id="rId15"/>
   </p:notesMasterIdLst>
   <p:sldIdLst>
     <p:sldId id="257" r:id="rId2"/>
@@ -14,14 +14,13 @@
     <p:sldId id="260" r:id="rId5"/>
     <p:sldId id="261" r:id="rId6"/>
     <p:sldId id="262" r:id="rId7"/>
-    <p:sldId id="263" r:id="rId8"/>
-    <p:sldId id="264" r:id="rId9"/>
-    <p:sldId id="265" r:id="rId10"/>
-    <p:sldId id="266" r:id="rId11"/>
-    <p:sldId id="267" r:id="rId12"/>
+    <p:sldId id="267" r:id="rId8"/>
+    <p:sldId id="263" r:id="rId9"/>
+    <p:sldId id="264" r:id="rId10"/>
+    <p:sldId id="265" r:id="rId11"/>
+    <p:sldId id="269" r:id="rId12"/>
     <p:sldId id="268" r:id="rId13"/>
-    <p:sldId id="269" r:id="rId14"/>
-    <p:sldId id="270" r:id="rId15"/>
+    <p:sldId id="270" r:id="rId14"/>
   </p:sldIdLst>
   <p:sldSz cx="12192000" cy="6858000"/>
   <p:notesSz cx="6858000" cy="9144000"/>
@@ -120,6 +119,11 @@
       </a:defRPr>
     </a:lvl9pPr>
   </p:defaultTextStyle>
+  <p:extLst>
+    <p:ext uri="{EFAFB233-063F-42B5-8137-9DF3F51BA10A}">
+      <p15:sldGuideLst xmlns:p15="http://schemas.microsoft.com/office/powerpoint/2012/main"/>
+    </p:ext>
+  </p:extLst>
 </p:presentation>
 </file>
 
@@ -6612,7 +6616,7 @@
           <a:p>
             <a:r>
               <a:rPr lang="en-US" dirty="0" err="1"/>
-              <a:t>SyncList</a:t>
+              <a:t>SyncVar</a:t>
             </a:r>
             <a:endParaRPr lang="en-US" dirty="0"/>
           </a:p>
@@ -6628,16 +6632,187 @@
             <p:ph idx="1"/>
           </p:nvPr>
         </p:nvSpPr>
-        <p:spPr/>
+        <p:spPr>
+          <a:xfrm>
+            <a:off x="726142" y="1201272"/>
+            <a:ext cx="9323712" cy="5047128"/>
+          </a:xfrm>
+        </p:spPr>
         <p:txBody>
           <a:bodyPr>
-            <a:normAutofit fontScale="92500" lnSpcReduction="20000"/>
+            <a:normAutofit fontScale="85000" lnSpcReduction="20000"/>
           </a:bodyPr>
           <a:lstStyle/>
           <a:p>
             <a:r>
               <a:rPr lang="en-US" dirty="0"/>
-              <a:t>Operation and index is the only data returned by an operation</a:t>
+              <a:t>Example</a:t>
+            </a:r>
+          </a:p>
+          <a:p>
+            <a:pPr lvl="1"/>
+            <a:r>
+              <a:rPr lang="en-US" dirty="0">
+                <a:solidFill>
+                  <a:srgbClr val="00B0F0"/>
+                </a:solidFill>
+              </a:rPr>
+              <a:t>public class Ship : </a:t>
+            </a:r>
+            <a:r>
+              <a:rPr lang="en-US" dirty="0" err="1">
+                <a:solidFill>
+                  <a:srgbClr val="00B0F0"/>
+                </a:solidFill>
+              </a:rPr>
+              <a:t>NetworkBehaviour</a:t>
+            </a:r>
+            <a:endParaRPr lang="en-US" dirty="0">
+              <a:solidFill>
+                <a:srgbClr val="00B0F0"/>
+              </a:solidFill>
+            </a:endParaRPr>
+          </a:p>
+          <a:p>
+            <a:pPr marL="800100" lvl="2" indent="0">
+              <a:buNone/>
+            </a:pPr>
+            <a:r>
+              <a:rPr lang="en-US" dirty="0">
+                <a:solidFill>
+                  <a:srgbClr val="00B0F0"/>
+                </a:solidFill>
+              </a:rPr>
+              <a:t>{</a:t>
+            </a:r>
+          </a:p>
+          <a:p>
+            <a:pPr marL="800100" lvl="2" indent="0">
+              <a:buNone/>
+            </a:pPr>
+            <a:r>
+              <a:rPr lang="en-US" dirty="0">
+                <a:solidFill>
+                  <a:srgbClr val="00B0F0"/>
+                </a:solidFill>
+              </a:rPr>
+              <a:t>    [</a:t>
+            </a:r>
+            <a:r>
+              <a:rPr lang="en-US" dirty="0" err="1">
+                <a:solidFill>
+                  <a:srgbClr val="00B0F0"/>
+                </a:solidFill>
+              </a:rPr>
+              <a:t>SyncVar</a:t>
+            </a:r>
+            <a:r>
+              <a:rPr lang="en-US" dirty="0">
+                <a:solidFill>
+                  <a:srgbClr val="00B0F0"/>
+                </a:solidFill>
+              </a:rPr>
+              <a:t>]</a:t>
+            </a:r>
+          </a:p>
+          <a:p>
+            <a:pPr marL="800100" lvl="2" indent="0">
+              <a:buNone/>
+            </a:pPr>
+            <a:r>
+              <a:rPr lang="en-US" dirty="0">
+                <a:solidFill>
+                  <a:srgbClr val="00B0F0"/>
+                </a:solidFill>
+              </a:rPr>
+              <a:t>    public </a:t>
+            </a:r>
+            <a:r>
+              <a:rPr lang="en-US" dirty="0" err="1">
+                <a:solidFill>
+                  <a:srgbClr val="00B0F0"/>
+                </a:solidFill>
+              </a:rPr>
+              <a:t>int</a:t>
+            </a:r>
+            <a:r>
+              <a:rPr lang="en-US" dirty="0">
+                <a:solidFill>
+                  <a:srgbClr val="00B0F0"/>
+                </a:solidFill>
+              </a:rPr>
+              <a:t> health = 100;</a:t>
+            </a:r>
+          </a:p>
+          <a:p>
+            <a:pPr marL="800100" lvl="2" indent="0">
+              <a:buNone/>
+            </a:pPr>
+            <a:endParaRPr lang="en-US" dirty="0">
+              <a:solidFill>
+                <a:srgbClr val="00B0F0"/>
+              </a:solidFill>
+            </a:endParaRPr>
+          </a:p>
+          <a:p>
+            <a:pPr marL="800100" lvl="2" indent="0">
+              <a:buNone/>
+            </a:pPr>
+            <a:r>
+              <a:rPr lang="en-US" dirty="0">
+                <a:solidFill>
+                  <a:srgbClr val="00B0F0"/>
+                </a:solidFill>
+              </a:rPr>
+              <a:t>    [</a:t>
+            </a:r>
+            <a:r>
+              <a:rPr lang="en-US" dirty="0" err="1">
+                <a:solidFill>
+                  <a:srgbClr val="00B0F0"/>
+                </a:solidFill>
+              </a:rPr>
+              <a:t>SyncVar</a:t>
+            </a:r>
+            <a:r>
+              <a:rPr lang="en-US" dirty="0">
+                <a:solidFill>
+                  <a:srgbClr val="00B0F0"/>
+                </a:solidFill>
+              </a:rPr>
+              <a:t>]</a:t>
+            </a:r>
+          </a:p>
+          <a:p>
+            <a:pPr marL="800100" lvl="2" indent="0">
+              <a:buNone/>
+            </a:pPr>
+            <a:r>
+              <a:rPr lang="en-US" dirty="0">
+                <a:solidFill>
+                  <a:srgbClr val="00B0F0"/>
+                </a:solidFill>
+              </a:rPr>
+              <a:t>    public float energy = 100;</a:t>
+            </a:r>
+          </a:p>
+          <a:p>
+            <a:pPr marL="800100" lvl="2" indent="0">
+              <a:buNone/>
+            </a:pPr>
+            <a:r>
+              <a:rPr lang="en-US" dirty="0">
+                <a:solidFill>
+                  <a:srgbClr val="00B0F0"/>
+                </a:solidFill>
+              </a:rPr>
+              <a:t>}						</a:t>
+            </a:r>
+          </a:p>
+          <a:p>
+            <a:r>
+              <a:rPr lang="en-US" dirty="0"/>
+              <a:t>Hooks</a:t>
             </a:r>
           </a:p>
           <a:p>
@@ -6681,70 +6856,18 @@
             </a:r>
             <a:r>
               <a:rPr lang="en-US" dirty="0"/>
-              <a:t>), </a:t>
+              <a:t>), </a:t>
             </a:r>
           </a:p>
           <a:p>
             <a:pPr lvl="1"/>
             <a:r>
               <a:rPr lang="en-US" dirty="0" err="1"/>
-              <a:t>NetworkIdentity</a:t>
+              <a:t>Structs</a:t>
             </a:r>
             <a:r>
               <a:rPr lang="en-US" dirty="0"/>
-              <a:t> </a:t>
-            </a:r>
-          </a:p>
-          <a:p>
-            <a:pPr lvl="1"/>
-            <a:r>
-              <a:rPr lang="en-US" dirty="0" err="1"/>
-              <a:t>NetworkInstanceId</a:t>
-            </a:r>
-            <a:endParaRPr lang="en-US" dirty="0"/>
-          </a:p>
-          <a:p>
-            <a:pPr lvl="1"/>
-            <a:r>
-              <a:rPr lang="en-US" dirty="0"/>
-              <a:t>NetworkHash128</a:t>
-            </a:r>
-          </a:p>
-          <a:p>
-            <a:pPr lvl="1"/>
-            <a:r>
-              <a:rPr lang="en-US" dirty="0" err="1"/>
-              <a:t>GameObject</a:t>
-            </a:r>
-            <a:r>
-              <a:rPr lang="en-US" dirty="0"/>
-              <a:t> with a </a:t>
-            </a:r>
-            <a:r>
-              <a:rPr lang="en-US" dirty="0" err="1"/>
-              <a:t>NetworkIdentity</a:t>
-            </a:r>
-            <a:r>
-              <a:rPr lang="en-US" dirty="0"/>
-              <a:t> component attached.</a:t>
-            </a:r>
-          </a:p>
-          <a:p>
-            <a:r>
-              <a:rPr lang="en-US" dirty="0" err="1"/>
-              <a:t>SyncList</a:t>
-            </a:r>
-            <a:r>
-              <a:rPr lang="en-US" dirty="0"/>
-              <a:t> can also be </a:t>
-            </a:r>
-            <a:r>
-              <a:rPr lang="en-US" dirty="0" err="1"/>
-              <a:t>struct</a:t>
-            </a:r>
-            <a:r>
-              <a:rPr lang="en-US" dirty="0"/>
-              <a:t> types</a:t>
+              <a:t> containing allowable types .</a:t>
             </a:r>
           </a:p>
           <a:p>
@@ -6759,18 +6882,12 @@
               <a:rPr lang="en-US" dirty="0">
                 <a:hlinkClick r:id="rId2"/>
               </a:rPr>
-              <a:t>https://docs.unity3d.com/Manual/UNetStateSync.html</a:t>
+              <a:t>https://docs.unity3d.com/ScriptReference/Networking.SyncVarAttribute.html</a:t>
             </a:r>
             <a:endParaRPr lang="en-US" dirty="0"/>
           </a:p>
           <a:p>
             <a:pPr lvl="1"/>
-            <a:r>
-              <a:rPr lang="en-US" dirty="0">
-                <a:hlinkClick r:id="rId3"/>
-              </a:rPr>
-              <a:t>https://docs.unity3d.com/ScriptReference/Networking.SyncList_1.html</a:t>
-            </a:r>
             <a:endParaRPr lang="en-US" dirty="0"/>
           </a:p>
         </p:txBody>
@@ -6801,7 +6918,7 @@
     </p:spTree>
     <p:extLst>
       <p:ext uri="{BB962C8B-B14F-4D97-AF65-F5344CB8AC3E}">
-        <p14:creationId xmlns:p14="http://schemas.microsoft.com/office/powerpoint/2010/main" val="1470812463"/>
+        <p14:creationId xmlns:p14="http://schemas.microsoft.com/office/powerpoint/2010/main" val="2951878101"/>
       </p:ext>
     </p:extLst>
   </p:cSld>
@@ -6845,8 +6962,12 @@
           <a:p>
             <a:r>
               <a:rPr lang="en-US" dirty="0"/>
-              <a:t>Remote Actions</a:t>
-            </a:r>
+              <a:t>Network Player</a:t>
+            </a:r>
+            <a:br>
+              <a:rPr lang="en-US" dirty="0"/>
+            </a:br>
+            <a:endParaRPr lang="en-US" dirty="0"/>
           </a:p>
         </p:txBody>
       </p:sp>
@@ -6860,34 +6981,96 @@
             <p:ph idx="1"/>
           </p:nvPr>
         </p:nvSpPr>
-        <p:spPr/>
+        <p:spPr>
+          <a:xfrm>
+            <a:off x="1103312" y="1399046"/>
+            <a:ext cx="8946541" cy="4849353"/>
+          </a:xfrm>
+        </p:spPr>
         <p:txBody>
           <a:bodyPr>
-            <a:normAutofit lnSpcReduction="10000"/>
+            <a:normAutofit fontScale="70000" lnSpcReduction="20000"/>
           </a:bodyPr>
           <a:lstStyle/>
           <a:p>
+            <a:r>
+              <a:rPr lang="en-US" dirty="0"/>
+              <a:t>Client Authority</a:t>
+            </a:r>
+          </a:p>
+          <a:p>
+            <a:r>
+              <a:rPr lang="en-US" dirty="0"/>
+              <a:t>Commands</a:t>
+            </a:r>
+          </a:p>
+          <a:p>
+            <a:r>
+              <a:rPr lang="en-US" dirty="0"/>
+              <a:t>Instanced on every client</a:t>
+            </a:r>
+          </a:p>
+          <a:p>
+            <a:r>
+              <a:rPr lang="en-US" dirty="0"/>
+              <a:t>Special Methods</a:t>
+            </a:r>
+          </a:p>
+          <a:p>
+            <a:pPr lvl="1"/>
+            <a:r>
+              <a:rPr lang="en-US" dirty="0" err="1"/>
+              <a:t>OnStartClient</a:t>
+            </a:r>
             <a:endParaRPr lang="en-US" dirty="0"/>
           </a:p>
           <a:p>
+            <a:pPr lvl="1"/>
+            <a:r>
+              <a:rPr lang="en-US" dirty="0" err="1"/>
+              <a:t>OnLocalPlayerStart</a:t>
+            </a:r>
             <a:endParaRPr lang="en-US" dirty="0"/>
           </a:p>
           <a:p>
+            <a:pPr lvl="1"/>
+            <a:r>
+              <a:rPr lang="en-US" dirty="0" err="1"/>
+              <a:t>OnStartServer</a:t>
+            </a:r>
             <a:endParaRPr lang="en-US" dirty="0"/>
           </a:p>
           <a:p>
+            <a:r>
+              <a:rPr lang="en-US" dirty="0"/>
+              <a:t>Special Properties</a:t>
+            </a:r>
+          </a:p>
+          <a:p>
+            <a:pPr lvl="1"/>
+            <a:r>
+              <a:rPr lang="en-US" dirty="0" err="1"/>
+              <a:t>isClient</a:t>
+            </a:r>
+            <a:r>
+              <a:rPr lang="en-US" dirty="0"/>
+              <a:t>	</a:t>
+            </a:r>
+          </a:p>
+          <a:p>
+            <a:pPr lvl="1"/>
+            <a:r>
+              <a:rPr lang="en-US" dirty="0" err="1"/>
+              <a:t>isLocalPlayer</a:t>
+            </a:r>
             <a:endParaRPr lang="en-US" dirty="0"/>
           </a:p>
           <a:p>
-            <a:endParaRPr lang="en-US" dirty="0"/>
-          </a:p>
-          <a:p>
-            <a:endParaRPr lang="en-US" dirty="0"/>
-          </a:p>
-          <a:p>
-            <a:endParaRPr lang="en-US" dirty="0"/>
-          </a:p>
-          <a:p>
+            <a:pPr lvl="1"/>
+            <a:r>
+              <a:rPr lang="en-US" dirty="0" err="1"/>
+              <a:t>isServer</a:t>
+            </a:r>
             <a:endParaRPr lang="en-US" dirty="0"/>
           </a:p>
           <a:p>
@@ -6902,7 +7085,37 @@
               <a:rPr lang="en-US" dirty="0">
                 <a:hlinkClick r:id="rId2"/>
               </a:rPr>
-              <a:t>https://docs.unity3d.com/Manual/UNetActions.html</a:t>
+              <a:t>https://docs.unity3d.com/Manual/UNetConcepts.html</a:t>
+            </a:r>
+            <a:endParaRPr lang="en-US" dirty="0"/>
+          </a:p>
+          <a:p>
+            <a:pPr lvl="1"/>
+            <a:r>
+              <a:rPr lang="en-US" dirty="0">
+                <a:hlinkClick r:id="rId3"/>
+              </a:rPr>
+              <a:t>https://docs.unity3d.com/Manual/UNetPlayers.html</a:t>
+            </a:r>
+            <a:endParaRPr lang="en-US" dirty="0"/>
+          </a:p>
+          <a:p>
+            <a:pPr lvl="1"/>
+            <a:r>
+              <a:rPr lang="en-US" dirty="0">
+                <a:hlinkClick r:id="rId4"/>
+              </a:rPr>
+              <a:t>https://docs.unity3d.com/Manual/NetworkManagerCallbacks.html</a:t>
+            </a:r>
+            <a:endParaRPr lang="en-US" dirty="0"/>
+          </a:p>
+          <a:p>
+            <a:pPr lvl="1"/>
+            <a:r>
+              <a:rPr lang="en-US" dirty="0">
+                <a:hlinkClick r:id="rId5"/>
+              </a:rPr>
+              <a:t>https://docs.unity3d.com/Manual/NetworkBehaviourCallbacks.html</a:t>
             </a:r>
             <a:endParaRPr lang="en-US" dirty="0"/>
           </a:p>
@@ -6944,15 +7157,15 @@
           <p:nvPr/>
         </p:nvPicPr>
         <p:blipFill>
-          <a:blip r:embed="rId3"/>
+          <a:blip r:embed="rId6"/>
           <a:stretch>
             <a:fillRect/>
           </a:stretch>
         </p:blipFill>
         <p:spPr>
           <a:xfrm>
-            <a:off x="2531885" y="1420424"/>
-            <a:ext cx="5428773" cy="3912207"/>
+            <a:off x="5089151" y="1399046"/>
+            <a:ext cx="6496050" cy="3457575"/>
           </a:xfrm>
           <a:prstGeom prst="rect">
             <a:avLst/>
@@ -6962,7 +7175,7 @@
     </p:spTree>
     <p:extLst>
       <p:ext uri="{BB962C8B-B14F-4D97-AF65-F5344CB8AC3E}">
-        <p14:creationId xmlns:p14="http://schemas.microsoft.com/office/powerpoint/2010/main" val="3966930622"/>
+        <p14:creationId xmlns:p14="http://schemas.microsoft.com/office/powerpoint/2010/main" val="3406959569"/>
       </p:ext>
     </p:extLst>
   </p:cSld>
@@ -7184,7 +7397,7 @@
           <a:p>
             <a:r>
               <a:rPr lang="en-US" dirty="0"/>
-              <a:t>Network Player</a:t>
+              <a:t>Spawning</a:t>
             </a:r>
             <a:br>
               <a:rPr lang="en-US" dirty="0"/>
@@ -7203,263 +7416,6 @@
             <p:ph idx="1"/>
           </p:nvPr>
         </p:nvSpPr>
-        <p:spPr>
-          <a:xfrm>
-            <a:off x="1103312" y="1399046"/>
-            <a:ext cx="8946541" cy="4849353"/>
-          </a:xfrm>
-        </p:spPr>
-        <p:txBody>
-          <a:bodyPr>
-            <a:normAutofit fontScale="70000" lnSpcReduction="20000"/>
-          </a:bodyPr>
-          <a:lstStyle/>
-          <a:p>
-            <a:r>
-              <a:rPr lang="en-US" dirty="0"/>
-              <a:t>Client Authority</a:t>
-            </a:r>
-          </a:p>
-          <a:p>
-            <a:r>
-              <a:rPr lang="en-US" dirty="0"/>
-              <a:t>Commands</a:t>
-            </a:r>
-          </a:p>
-          <a:p>
-            <a:r>
-              <a:rPr lang="en-US" dirty="0"/>
-              <a:t>Instanced on every client</a:t>
-            </a:r>
-          </a:p>
-          <a:p>
-            <a:r>
-              <a:rPr lang="en-US" dirty="0"/>
-              <a:t>Special Methods</a:t>
-            </a:r>
-          </a:p>
-          <a:p>
-            <a:pPr lvl="1"/>
-            <a:r>
-              <a:rPr lang="en-US" dirty="0" err="1"/>
-              <a:t>OnStartClient</a:t>
-            </a:r>
-            <a:endParaRPr lang="en-US" dirty="0"/>
-          </a:p>
-          <a:p>
-            <a:pPr lvl="1"/>
-            <a:r>
-              <a:rPr lang="en-US" dirty="0" err="1"/>
-              <a:t>OnLocalPlayerStart</a:t>
-            </a:r>
-            <a:endParaRPr lang="en-US" dirty="0"/>
-          </a:p>
-          <a:p>
-            <a:pPr lvl="1"/>
-            <a:r>
-              <a:rPr lang="en-US" dirty="0" err="1"/>
-              <a:t>OnStartServer</a:t>
-            </a:r>
-            <a:endParaRPr lang="en-US" dirty="0"/>
-          </a:p>
-          <a:p>
-            <a:r>
-              <a:rPr lang="en-US" dirty="0"/>
-              <a:t>Special Properties</a:t>
-            </a:r>
-          </a:p>
-          <a:p>
-            <a:pPr lvl="1"/>
-            <a:r>
-              <a:rPr lang="en-US" dirty="0" err="1"/>
-              <a:t>isClient</a:t>
-            </a:r>
-            <a:r>
-              <a:rPr lang="en-US" dirty="0"/>
-              <a:t>	</a:t>
-            </a:r>
-          </a:p>
-          <a:p>
-            <a:pPr lvl="1"/>
-            <a:r>
-              <a:rPr lang="en-US" dirty="0" err="1"/>
-              <a:t>isLocalPlayer</a:t>
-            </a:r>
-            <a:endParaRPr lang="en-US" dirty="0"/>
-          </a:p>
-          <a:p>
-            <a:pPr lvl="1"/>
-            <a:r>
-              <a:rPr lang="en-US" dirty="0" err="1"/>
-              <a:t>isServer</a:t>
-            </a:r>
-            <a:endParaRPr lang="en-US" dirty="0"/>
-          </a:p>
-          <a:p>
-            <a:r>
-              <a:rPr lang="en-US" dirty="0"/>
-              <a:t>Links</a:t>
-            </a:r>
-          </a:p>
-          <a:p>
-            <a:pPr lvl="1"/>
-            <a:r>
-              <a:rPr lang="en-US" dirty="0">
-                <a:hlinkClick r:id="rId2"/>
-              </a:rPr>
-              <a:t>https://docs.unity3d.com/Manual/UNetConcepts.html</a:t>
-            </a:r>
-            <a:endParaRPr lang="en-US" dirty="0"/>
-          </a:p>
-          <a:p>
-            <a:pPr lvl="1"/>
-            <a:r>
-              <a:rPr lang="en-US" dirty="0">
-                <a:hlinkClick r:id="rId3"/>
-              </a:rPr>
-              <a:t>https://docs.unity3d.com/Manual/UNetPlayers.html</a:t>
-            </a:r>
-            <a:endParaRPr lang="en-US" dirty="0"/>
-          </a:p>
-          <a:p>
-            <a:pPr lvl="1"/>
-            <a:r>
-              <a:rPr lang="en-US" dirty="0">
-                <a:hlinkClick r:id="rId4"/>
-              </a:rPr>
-              <a:t>https://docs.unity3d.com/Manual/NetworkManagerCallbacks.html</a:t>
-            </a:r>
-            <a:endParaRPr lang="en-US" dirty="0"/>
-          </a:p>
-          <a:p>
-            <a:pPr lvl="1"/>
-            <a:r>
-              <a:rPr lang="en-US" dirty="0">
-                <a:hlinkClick r:id="rId5"/>
-              </a:rPr>
-              <a:t>https://docs.unity3d.com/Manual/NetworkBehaviourCallbacks.html</a:t>
-            </a:r>
-            <a:endParaRPr lang="en-US" dirty="0"/>
-          </a:p>
-          <a:p>
-            <a:pPr lvl="1"/>
-            <a:endParaRPr lang="en-US" dirty="0"/>
-          </a:p>
-        </p:txBody>
-      </p:sp>
-      <p:sp>
-        <p:nvSpPr>
-          <p:cNvPr id="5" name="Slide Number Placeholder 4"/>
-          <p:cNvSpPr>
-            <a:spLocks noGrp="1"/>
-          </p:cNvSpPr>
-          <p:nvPr>
-            <p:ph type="sldNum" sz="quarter" idx="12"/>
-          </p:nvPr>
-        </p:nvSpPr>
-        <p:spPr/>
-        <p:txBody>
-          <a:bodyPr/>
-          <a:lstStyle/>
-          <a:p>
-            <a:fld id="{D57F1E4F-1CFF-5643-939E-02111984F565}" type="slidenum">
-              <a:rPr lang="en-US" smtClean="0"/>
-              <a:t>13</a:t>
-            </a:fld>
-            <a:endParaRPr lang="en-US" dirty="0"/>
-          </a:p>
-        </p:txBody>
-      </p:sp>
-      <p:pic>
-        <p:nvPicPr>
-          <p:cNvPr id="4" name="Picture 3"/>
-          <p:cNvPicPr>
-            <a:picLocks noChangeAspect="1"/>
-          </p:cNvPicPr>
-          <p:nvPr/>
-        </p:nvPicPr>
-        <p:blipFill>
-          <a:blip r:embed="rId6"/>
-          <a:stretch>
-            <a:fillRect/>
-          </a:stretch>
-        </p:blipFill>
-        <p:spPr>
-          <a:xfrm>
-            <a:off x="5089151" y="1399046"/>
-            <a:ext cx="6496050" cy="3457575"/>
-          </a:xfrm>
-          <a:prstGeom prst="rect">
-            <a:avLst/>
-          </a:prstGeom>
-        </p:spPr>
-      </p:pic>
-    </p:spTree>
-    <p:extLst>
-      <p:ext uri="{BB962C8B-B14F-4D97-AF65-F5344CB8AC3E}">
-        <p14:creationId xmlns:p14="http://schemas.microsoft.com/office/powerpoint/2010/main" val="3406959569"/>
-      </p:ext>
-    </p:extLst>
-  </p:cSld>
-  <p:clrMapOvr>
-    <a:masterClrMapping/>
-  </p:clrMapOvr>
-</p:sld>
-</file>
-
-<file path=ppt/slides/slide14.xml><?xml version="1.0" encoding="utf-8"?>
-<p:sld xmlns:a="http://schemas.openxmlformats.org/drawingml/2006/main" xmlns:r="http://schemas.openxmlformats.org/officeDocument/2006/relationships" xmlns:p="http://schemas.openxmlformats.org/presentationml/2006/main">
-  <p:cSld>
-    <p:spTree>
-      <p:nvGrpSpPr>
-        <p:cNvPr id="1" name=""/>
-        <p:cNvGrpSpPr/>
-        <p:nvPr/>
-      </p:nvGrpSpPr>
-      <p:grpSpPr>
-        <a:xfrm>
-          <a:off x="0" y="0"/>
-          <a:ext cx="0" cy="0"/>
-          <a:chOff x="0" y="0"/>
-          <a:chExt cx="0" cy="0"/>
-        </a:xfrm>
-      </p:grpSpPr>
-      <p:sp>
-        <p:nvSpPr>
-          <p:cNvPr id="2" name="Title 1"/>
-          <p:cNvSpPr>
-            <a:spLocks noGrp="1"/>
-          </p:cNvSpPr>
-          <p:nvPr>
-            <p:ph type="title"/>
-          </p:nvPr>
-        </p:nvSpPr>
-        <p:spPr/>
-        <p:txBody>
-          <a:bodyPr/>
-          <a:lstStyle/>
-          <a:p>
-            <a:r>
-              <a:rPr lang="en-US" dirty="0"/>
-              <a:t>Spawning</a:t>
-            </a:r>
-            <a:br>
-              <a:rPr lang="en-US" dirty="0"/>
-            </a:br>
-            <a:endParaRPr lang="en-US" dirty="0"/>
-          </a:p>
-        </p:txBody>
-      </p:sp>
-      <p:sp>
-        <p:nvSpPr>
-          <p:cNvPr id="3" name="Content Placeholder 2"/>
-          <p:cNvSpPr>
-            <a:spLocks noGrp="1"/>
-          </p:cNvSpPr>
-          <p:nvPr>
-            <p:ph idx="1"/>
-          </p:nvPr>
-        </p:nvSpPr>
         <p:spPr/>
         <p:txBody>
           <a:bodyPr>
@@ -7550,7 +7506,7 @@
           <a:p>
             <a:fld id="{D57F1E4F-1CFF-5643-939E-02111984F565}" type="slidenum">
               <a:rPr lang="en-US" smtClean="0"/>
-              <a:t>14</a:t>
+              <a:t>13</a:t>
             </a:fld>
             <a:endParaRPr lang="en-US" dirty="0"/>
           </a:p>
@@ -7654,14 +7610,6 @@
               <a:rPr lang="en-US" dirty="0" err="1"/>
               <a:t>SyncVar</a:t>
             </a:r>
-            <a:r>
-              <a:rPr lang="en-US" dirty="0"/>
-              <a:t>, </a:t>
-            </a:r>
-            <a:r>
-              <a:rPr lang="en-US" dirty="0" err="1"/>
-              <a:t>SyncList</a:t>
-            </a:r>
             <a:endParaRPr lang="en-US" dirty="0"/>
           </a:p>
           <a:p>
@@ -7674,12 +7622,6 @@
             <a:r>
               <a:rPr lang="en-US" dirty="0"/>
               <a:t>Network Player</a:t>
-            </a:r>
-          </a:p>
-          <a:p>
-            <a:r>
-              <a:rPr lang="en-US" dirty="0"/>
-              <a:t>Spawning</a:t>
             </a:r>
           </a:p>
         </p:txBody>
@@ -7816,6 +7758,35 @@
           </a:p>
         </p:txBody>
       </p:sp>
+      <p:pic>
+        <p:nvPicPr>
+          <p:cNvPr id="4" name="Picture 3">
+            <a:extLst>
+              <a:ext uri="{FF2B5EF4-FFF2-40B4-BE49-F238E27FC236}">
+                <a16:creationId xmlns:a16="http://schemas.microsoft.com/office/drawing/2014/main" id="{15296EAA-3329-4207-9BD0-C1E8386A3F0A}"/>
+              </a:ext>
+            </a:extLst>
+          </p:cNvPr>
+          <p:cNvPicPr>
+            <a:picLocks noChangeAspect="1"/>
+          </p:cNvPicPr>
+          <p:nvPr/>
+        </p:nvPicPr>
+        <p:blipFill rotWithShape="1">
+          <a:blip r:embed="rId2"/>
+          <a:srcRect l="18570" t="13294" r="13220" b="20832"/>
+          <a:stretch/>
+        </p:blipFill>
+        <p:spPr>
+          <a:xfrm>
+            <a:off x="8801697" y="3251642"/>
+            <a:ext cx="2496312" cy="3414334"/>
+          </a:xfrm>
+          <a:prstGeom prst="rect">
+            <a:avLst/>
+          </a:prstGeom>
+        </p:spPr>
+      </p:pic>
     </p:spTree>
     <p:extLst>
       <p:ext uri="{BB962C8B-B14F-4D97-AF65-F5344CB8AC3E}">
@@ -8310,7 +8281,7 @@
           <a:p>
             <a:r>
               <a:rPr lang="en-US" dirty="0"/>
-              <a:t>Commands</a:t>
+              <a:t>Remote Actions</a:t>
             </a:r>
           </a:p>
         </p:txBody>
@@ -8332,197 +8303,28 @@
           </a:bodyPr>
           <a:lstStyle/>
           <a:p>
-            <a:r>
-              <a:rPr lang="en-US" dirty="0"/>
-              <a:t>Example</a:t>
-            </a:r>
-          </a:p>
-          <a:p>
-            <a:pPr marL="457200" lvl="1" indent="0">
-              <a:buNone/>
-            </a:pPr>
-            <a:r>
-              <a:rPr lang="en-US" dirty="0">
-                <a:solidFill>
-                  <a:srgbClr val="00B0F0"/>
-                </a:solidFill>
-              </a:rPr>
-              <a:t>    [Command]</a:t>
-            </a:r>
-          </a:p>
-          <a:p>
-            <a:pPr marL="457200" lvl="1" indent="0">
-              <a:buNone/>
-            </a:pPr>
-            <a:r>
-              <a:rPr lang="en-US" dirty="0">
-                <a:solidFill>
-                  <a:srgbClr val="00B0F0"/>
-                </a:solidFill>
-              </a:rPr>
-              <a:t>    public void </a:t>
-            </a:r>
-            <a:r>
-              <a:rPr lang="en-US" dirty="0" err="1">
-                <a:solidFill>
-                  <a:srgbClr val="00B0F0"/>
-                </a:solidFill>
-              </a:rPr>
-              <a:t>CmdMove</a:t>
-            </a:r>
-            <a:r>
-              <a:rPr lang="en-US" dirty="0">
-                <a:solidFill>
-                  <a:srgbClr val="00B0F0"/>
-                </a:solidFill>
-              </a:rPr>
-              <a:t>(</a:t>
-            </a:r>
-            <a:r>
-              <a:rPr lang="en-US" dirty="0" err="1">
-                <a:solidFill>
-                  <a:srgbClr val="00B0F0"/>
-                </a:solidFill>
-              </a:rPr>
-              <a:t>int</a:t>
-            </a:r>
-            <a:r>
-              <a:rPr lang="en-US" dirty="0">
-                <a:solidFill>
-                  <a:srgbClr val="00B0F0"/>
-                </a:solidFill>
-              </a:rPr>
-              <a:t> x, </a:t>
-            </a:r>
-            <a:r>
-              <a:rPr lang="en-US" dirty="0" err="1">
-                <a:solidFill>
-                  <a:srgbClr val="00B0F0"/>
-                </a:solidFill>
-              </a:rPr>
-              <a:t>int</a:t>
-            </a:r>
-            <a:r>
-              <a:rPr lang="en-US" dirty="0">
-                <a:solidFill>
-                  <a:srgbClr val="00B0F0"/>
-                </a:solidFill>
-              </a:rPr>
-              <a:t> y)</a:t>
-            </a:r>
-          </a:p>
-          <a:p>
-            <a:pPr marL="457200" lvl="1" indent="0">
-              <a:buNone/>
-            </a:pPr>
-            <a:r>
-              <a:rPr lang="en-US" dirty="0">
-                <a:solidFill>
-                  <a:srgbClr val="00B0F0"/>
-                </a:solidFill>
-              </a:rPr>
-              <a:t>    {</a:t>
-            </a:r>
-          </a:p>
-          <a:p>
-            <a:pPr marL="457200" lvl="1" indent="0">
-              <a:buNone/>
-            </a:pPr>
-            <a:r>
-              <a:rPr lang="en-US" dirty="0">
-                <a:solidFill>
-                  <a:srgbClr val="00B0F0"/>
-                </a:solidFill>
-              </a:rPr>
-              <a:t>        </a:t>
-            </a:r>
-            <a:r>
-              <a:rPr lang="en-US" dirty="0" err="1">
-                <a:solidFill>
-                  <a:srgbClr val="00B0F0"/>
-                </a:solidFill>
-              </a:rPr>
-              <a:t>moveX</a:t>
-            </a:r>
-            <a:r>
-              <a:rPr lang="en-US" dirty="0">
-                <a:solidFill>
-                  <a:srgbClr val="00B0F0"/>
-                </a:solidFill>
-              </a:rPr>
-              <a:t> = x;</a:t>
-            </a:r>
-          </a:p>
-          <a:p>
-            <a:pPr marL="457200" lvl="1" indent="0">
-              <a:buNone/>
-            </a:pPr>
-            <a:r>
-              <a:rPr lang="en-US" dirty="0">
-                <a:solidFill>
-                  <a:srgbClr val="00B0F0"/>
-                </a:solidFill>
-              </a:rPr>
-              <a:t>        </a:t>
-            </a:r>
-            <a:r>
-              <a:rPr lang="en-US" dirty="0" err="1">
-                <a:solidFill>
-                  <a:srgbClr val="00B0F0"/>
-                </a:solidFill>
-              </a:rPr>
-              <a:t>moveY</a:t>
-            </a:r>
-            <a:r>
-              <a:rPr lang="en-US" dirty="0">
-                <a:solidFill>
-                  <a:srgbClr val="00B0F0"/>
-                </a:solidFill>
-              </a:rPr>
-              <a:t> = y;</a:t>
-            </a:r>
-          </a:p>
-          <a:p>
-            <a:pPr marL="457200" lvl="1" indent="0">
-              <a:buNone/>
-            </a:pPr>
-            <a:r>
-              <a:rPr lang="en-US" dirty="0">
-                <a:solidFill>
-                  <a:srgbClr val="00B0F0"/>
-                </a:solidFill>
-              </a:rPr>
-              <a:t>        </a:t>
-            </a:r>
-            <a:r>
-              <a:rPr lang="en-US" dirty="0" err="1">
-                <a:solidFill>
-                  <a:srgbClr val="00B0F0"/>
-                </a:solidFill>
-              </a:rPr>
-              <a:t>isDirty</a:t>
-            </a:r>
-            <a:r>
-              <a:rPr lang="en-US" dirty="0">
-                <a:solidFill>
-                  <a:srgbClr val="00B0F0"/>
-                </a:solidFill>
-              </a:rPr>
-              <a:t> = true;</a:t>
-            </a:r>
-          </a:p>
-          <a:p>
-            <a:pPr marL="457200" lvl="1" indent="0">
-              <a:buNone/>
-            </a:pPr>
-            <a:r>
-              <a:rPr lang="en-US" dirty="0">
-                <a:solidFill>
-                  <a:srgbClr val="00B0F0"/>
-                </a:solidFill>
-              </a:rPr>
-              <a:t>    }</a:t>
-            </a:r>
+            <a:endParaRPr lang="en-US" dirty="0"/>
+          </a:p>
+          <a:p>
+            <a:endParaRPr lang="en-US" dirty="0"/>
+          </a:p>
+          <a:p>
+            <a:endParaRPr lang="en-US" dirty="0"/>
+          </a:p>
+          <a:p>
+            <a:endParaRPr lang="en-US" dirty="0"/>
+          </a:p>
+          <a:p>
+            <a:endParaRPr lang="en-US" dirty="0"/>
+          </a:p>
+          <a:p>
+            <a:endParaRPr lang="en-US" dirty="0"/>
+          </a:p>
+          <a:p>
+            <a:endParaRPr lang="en-US" dirty="0"/>
+          </a:p>
+          <a:p>
+            <a:endParaRPr lang="en-US" dirty="0"/>
           </a:p>
           <a:p>
             <a:r>
@@ -8536,8 +8338,12 @@
               <a:rPr lang="en-US" dirty="0">
                 <a:hlinkClick r:id="rId2"/>
               </a:rPr>
-              <a:t>https://docs.unity3d.com/ScriptReference/Networking.CommandAttribute.html</a:t>
-            </a:r>
+              <a:t>https://docs.unity3d.com/Manual/UNetActions.html</a:t>
+            </a:r>
+            <a:endParaRPr lang="en-US" dirty="0"/>
+          </a:p>
+          <a:p>
+            <a:pPr lvl="1"/>
             <a:endParaRPr lang="en-US" dirty="0"/>
           </a:p>
         </p:txBody>
@@ -8565,10 +8371,34 @@
           </a:p>
         </p:txBody>
       </p:sp>
+      <p:pic>
+        <p:nvPicPr>
+          <p:cNvPr id="4" name="Picture 3"/>
+          <p:cNvPicPr>
+            <a:picLocks noChangeAspect="1"/>
+          </p:cNvPicPr>
+          <p:nvPr/>
+        </p:nvPicPr>
+        <p:blipFill>
+          <a:blip r:embed="rId3"/>
+          <a:stretch>
+            <a:fillRect/>
+          </a:stretch>
+        </p:blipFill>
+        <p:spPr>
+          <a:xfrm>
+            <a:off x="2531885" y="1420424"/>
+            <a:ext cx="5428773" cy="3912207"/>
+          </a:xfrm>
+          <a:prstGeom prst="rect">
+            <a:avLst/>
+          </a:prstGeom>
+        </p:spPr>
+      </p:pic>
     </p:spTree>
     <p:extLst>
       <p:ext uri="{BB962C8B-B14F-4D97-AF65-F5344CB8AC3E}">
-        <p14:creationId xmlns:p14="http://schemas.microsoft.com/office/powerpoint/2010/main" val="3198992323"/>
+        <p14:creationId xmlns:p14="http://schemas.microsoft.com/office/powerpoint/2010/main" val="3966930622"/>
       </p:ext>
     </p:extLst>
   </p:cSld>
@@ -8612,7 +8442,7 @@
           <a:p>
             <a:r>
               <a:rPr lang="en-US" dirty="0"/>
-              <a:t>RPC</a:t>
+              <a:t>Commands</a:t>
             </a:r>
           </a:p>
         </p:txBody>
@@ -8630,7 +8460,7 @@
         <p:spPr/>
         <p:txBody>
           <a:bodyPr>
-            <a:normAutofit/>
+            <a:normAutofit lnSpcReduction="10000"/>
           </a:bodyPr>
           <a:lstStyle/>
           <a:p>
@@ -8649,23 +8479,7 @@
                   <a:srgbClr val="00B0F0"/>
                 </a:solidFill>
               </a:rPr>
-              <a:t> [</a:t>
-            </a:r>
-            <a:r>
-              <a:rPr lang="en-US" dirty="0" err="1">
-                <a:solidFill>
-                  <a:srgbClr val="00B0F0"/>
-                </a:solidFill>
-              </a:rPr>
-              <a:t>ClientRpc</a:t>
-            </a:r>
-            <a:r>
-              <a:rPr lang="en-US" dirty="0">
-                <a:solidFill>
-                  <a:srgbClr val="00B0F0"/>
-                </a:solidFill>
-              </a:rPr>
-              <a:t>]</a:t>
+              <a:t>    [Command]</a:t>
             </a:r>
           </a:p>
           <a:p>
@@ -8686,7 +8500,7 @@
                   <a:srgbClr val="00B0F0"/>
                 </a:solidFill>
               </a:rPr>
-              <a:t>RpcDoMagic</a:t>
+              <a:t>CmdMove</a:t>
             </a:r>
             <a:r>
               <a:rPr lang="en-US" dirty="0">
@@ -8710,7 +8524,23 @@
                   <a:srgbClr val="00B0F0"/>
                 </a:solidFill>
               </a:rPr>
-              <a:t> extra)</a:t>
+              <a:t> x, </a:t>
+            </a:r>
+            <a:r>
+              <a:rPr lang="en-US" dirty="0" err="1">
+                <a:solidFill>
+                  <a:srgbClr val="00B0F0"/>
+                </a:solidFill>
+              </a:rPr>
+              <a:t>int</a:t>
+            </a:r>
+            <a:r>
+              <a:rPr lang="en-US" dirty="0">
+                <a:solidFill>
+                  <a:srgbClr val="00B0F0"/>
+                </a:solidFill>
+              </a:rPr>
+              <a:t> y)</a:t>
             </a:r>
           </a:p>
           <a:p>
@@ -8744,7 +8574,7 @@
                   <a:srgbClr val="00B0F0"/>
                 </a:solidFill>
               </a:rPr>
-              <a:t>Debug.Log</a:t>
+              <a:t>moveX</a:t>
             </a:r>
             <a:r>
               <a:rPr lang="en-US" dirty="0">
@@ -8752,7 +8582,65 @@
                   <a:srgbClr val="00B0F0"/>
                 </a:solidFill>
               </a:rPr>
-              <a:t>("Magic = " + (123 + extra));</a:t>
+              <a:t> = x;</a:t>
+            </a:r>
+          </a:p>
+          <a:p>
+            <a:pPr marL="457200" lvl="1" indent="0">
+              <a:buNone/>
+            </a:pPr>
+            <a:r>
+              <a:rPr lang="en-US" dirty="0">
+                <a:solidFill>
+                  <a:srgbClr val="00B0F0"/>
+                </a:solidFill>
+              </a:rPr>
+              <a:t>        </a:t>
+            </a:r>
+            <a:r>
+              <a:rPr lang="en-US" dirty="0" err="1">
+                <a:solidFill>
+                  <a:srgbClr val="00B0F0"/>
+                </a:solidFill>
+              </a:rPr>
+              <a:t>moveY</a:t>
+            </a:r>
+            <a:r>
+              <a:rPr lang="en-US" dirty="0">
+                <a:solidFill>
+                  <a:srgbClr val="00B0F0"/>
+                </a:solidFill>
+              </a:rPr>
+              <a:t> = y;</a:t>
+            </a:r>
+          </a:p>
+          <a:p>
+            <a:pPr marL="457200" lvl="1" indent="0">
+              <a:buNone/>
+            </a:pPr>
+            <a:r>
+              <a:rPr lang="en-US" dirty="0">
+                <a:solidFill>
+                  <a:srgbClr val="00B0F0"/>
+                </a:solidFill>
+              </a:rPr>
+              <a:t>        </a:t>
+            </a:r>
+            <a:r>
+              <a:rPr lang="en-US" dirty="0" err="1">
+                <a:solidFill>
+                  <a:srgbClr val="00B0F0"/>
+                </a:solidFill>
+              </a:rPr>
+              <a:t>isDirty</a:t>
+            </a:r>
+            <a:r>
+              <a:rPr lang="en-US" dirty="0">
+                <a:solidFill>
+                  <a:srgbClr val="00B0F0"/>
+                </a:solidFill>
+              </a:rPr>
+              <a:t> = true;</a:t>
             </a:r>
           </a:p>
           <a:p>
@@ -8780,12 +8668,8 @@
               <a:rPr lang="en-US" dirty="0">
                 <a:hlinkClick r:id="rId2"/>
               </a:rPr>
-              <a:t>https://docs.unity3d.com/ScriptReference/Networking.ClientRpcAttribute.html</a:t>
-            </a:r>
-            <a:endParaRPr lang="en-US" dirty="0"/>
-          </a:p>
-          <a:p>
-            <a:pPr lvl="1"/>
+              <a:t>https://docs.unity3d.com/ScriptReference/Networking.CommandAttribute.html</a:t>
+            </a:r>
             <a:endParaRPr lang="en-US" dirty="0"/>
           </a:p>
         </p:txBody>
@@ -8816,7 +8700,7 @@
     </p:spTree>
     <p:extLst>
       <p:ext uri="{BB962C8B-B14F-4D97-AF65-F5344CB8AC3E}">
-        <p14:creationId xmlns:p14="http://schemas.microsoft.com/office/powerpoint/2010/main" val="3989119585"/>
+        <p14:creationId xmlns:p14="http://schemas.microsoft.com/office/powerpoint/2010/main" val="3198992323"/>
       </p:ext>
     </p:extLst>
   </p:cSld>
@@ -8859,10 +8743,9 @@
           <a:lstStyle/>
           <a:p>
             <a:r>
-              <a:rPr lang="en-US" dirty="0" err="1"/>
-              <a:t>SyncVar</a:t>
-            </a:r>
-            <a:endParaRPr lang="en-US" dirty="0"/>
+              <a:rPr lang="en-US" dirty="0"/>
+              <a:t>RPC</a:t>
+            </a:r>
           </a:p>
         </p:txBody>
       </p:sp>
@@ -8876,15 +8759,10 @@
             <p:ph idx="1"/>
           </p:nvPr>
         </p:nvSpPr>
-        <p:spPr>
-          <a:xfrm>
-            <a:off x="726142" y="1201272"/>
-            <a:ext cx="9323712" cy="5047128"/>
-          </a:xfrm>
-        </p:spPr>
+        <p:spPr/>
         <p:txBody>
           <a:bodyPr>
-            <a:normAutofit fontScale="85000" lnSpcReduction="20000"/>
+            <a:normAutofit/>
           </a:bodyPr>
           <a:lstStyle/>
           <a:p>
@@ -8894,14 +8772,16 @@
             </a:r>
           </a:p>
           <a:p>
-            <a:pPr lvl="1"/>
+            <a:pPr marL="457200" lvl="1" indent="0">
+              <a:buNone/>
+            </a:pPr>
             <a:r>
               <a:rPr lang="en-US" dirty="0">
                 <a:solidFill>
                   <a:srgbClr val="00B0F0"/>
                 </a:solidFill>
               </a:rPr>
-              <a:t>public class Ship : </a:t>
+              <a:t> [</a:t>
             </a:r>
             <a:r>
               <a:rPr lang="en-US" dirty="0" err="1">
@@ -8909,46 +8789,7 @@
                   <a:srgbClr val="00B0F0"/>
                 </a:solidFill>
               </a:rPr>
-              <a:t>NetworkBehaviour</a:t>
-            </a:r>
-            <a:endParaRPr lang="en-US" dirty="0">
-              <a:solidFill>
-                <a:srgbClr val="00B0F0"/>
-              </a:solidFill>
-            </a:endParaRPr>
-          </a:p>
-          <a:p>
-            <a:pPr marL="800100" lvl="2" indent="0">
-              <a:buNone/>
-            </a:pPr>
-            <a:r>
-              <a:rPr lang="en-US" dirty="0">
-                <a:solidFill>
-                  <a:srgbClr val="00B0F0"/>
-                </a:solidFill>
-              </a:rPr>
-              <a:t>{</a:t>
-            </a:r>
-          </a:p>
-          <a:p>
-            <a:pPr marL="800100" lvl="2" indent="0">
-              <a:buNone/>
-            </a:pPr>
-            <a:r>
-              <a:rPr lang="en-US" dirty="0">
-                <a:solidFill>
-                  <a:srgbClr val="00B0F0"/>
-                </a:solidFill>
-              </a:rPr>
-              <a:t>    [</a:t>
-            </a:r>
-            <a:r>
-              <a:rPr lang="en-US" dirty="0" err="1">
-                <a:solidFill>
-                  <a:srgbClr val="00B0F0"/>
-                </a:solidFill>
-              </a:rPr>
-              <a:t>SyncVar</a:t>
+              <a:t>ClientRpc</a:t>
             </a:r>
             <a:r>
               <a:rPr lang="en-US" dirty="0">
@@ -8960,7 +8801,7 @@
             </a:r>
           </a:p>
           <a:p>
-            <a:pPr marL="800100" lvl="2" indent="0">
+            <a:pPr marL="457200" lvl="1" indent="0">
               <a:buNone/>
             </a:pPr>
             <a:r>
@@ -8969,7 +8810,23 @@
                   <a:srgbClr val="00B0F0"/>
                 </a:solidFill>
               </a:rPr>
-              <a:t>    public </a:t>
+              <a:t>    public void </a:t>
+            </a:r>
+            <a:r>
+              <a:rPr lang="en-US" dirty="0" err="1">
+                <a:solidFill>
+                  <a:srgbClr val="00B0F0"/>
+                </a:solidFill>
+              </a:rPr>
+              <a:t>RpcDoMagic</a:t>
+            </a:r>
+            <a:r>
+              <a:rPr lang="en-US" dirty="0">
+                <a:solidFill>
+                  <a:srgbClr val="00B0F0"/>
+                </a:solidFill>
+              </a:rPr>
+              <a:t>(</a:t>
             </a:r>
             <a:r>
               <a:rPr lang="en-US" dirty="0" err="1">
@@ -8985,21 +8842,11 @@
                   <a:srgbClr val="00B0F0"/>
                 </a:solidFill>
               </a:rPr>
-              <a:t> health = 100;</a:t>
-            </a:r>
-          </a:p>
-          <a:p>
-            <a:pPr marL="800100" lvl="2" indent="0">
-              <a:buNone/>
-            </a:pPr>
-            <a:endParaRPr lang="en-US" dirty="0">
-              <a:solidFill>
-                <a:srgbClr val="00B0F0"/>
-              </a:solidFill>
-            </a:endParaRPr>
-          </a:p>
-          <a:p>
-            <a:pPr marL="800100" lvl="2" indent="0">
+              <a:t> extra)</a:t>
+            </a:r>
+          </a:p>
+          <a:p>
+            <a:pPr marL="457200" lvl="1" indent="0">
               <a:buNone/>
             </a:pPr>
             <a:r>
@@ -9008,7 +8855,20 @@
                   <a:srgbClr val="00B0F0"/>
                 </a:solidFill>
               </a:rPr>
-              <a:t>    [</a:t>
+              <a:t>    {</a:t>
+            </a:r>
+          </a:p>
+          <a:p>
+            <a:pPr marL="457200" lvl="1" indent="0">
+              <a:buNone/>
+            </a:pPr>
+            <a:r>
+              <a:rPr lang="en-US" dirty="0">
+                <a:solidFill>
+                  <a:srgbClr val="00B0F0"/>
+                </a:solidFill>
+              </a:rPr>
+              <a:t>        </a:t>
             </a:r>
             <a:r>
               <a:rPr lang="en-US" dirty="0" err="1">
@@ -9016,7 +8876,7 @@
                   <a:srgbClr val="00B0F0"/>
                 </a:solidFill>
               </a:rPr>
-              <a:t>SyncVar</a:t>
+              <a:t>Debug.Log</a:t>
             </a:r>
             <a:r>
               <a:rPr lang="en-US" dirty="0">
@@ -9024,11 +8884,11 @@
                   <a:srgbClr val="00B0F0"/>
                 </a:solidFill>
               </a:rPr>
-              <a:t>]</a:t>
-            </a:r>
-          </a:p>
-          <a:p>
-            <a:pPr marL="800100" lvl="2" indent="0">
+              <a:t>("Magic = " + (123 + extra));</a:t>
+            </a:r>
+          </a:p>
+          <a:p>
+            <a:pPr marL="457200" lvl="1" indent="0">
               <a:buNone/>
             </a:pPr>
             <a:r>
@@ -9037,81 +8897,7 @@
                   <a:srgbClr val="00B0F0"/>
                 </a:solidFill>
               </a:rPr>
-              <a:t>    public float energy = 100;</a:t>
-            </a:r>
-          </a:p>
-          <a:p>
-            <a:pPr marL="800100" lvl="2" indent="0">
-              <a:buNone/>
-            </a:pPr>
-            <a:r>
-              <a:rPr lang="en-US" dirty="0">
-                <a:solidFill>
-                  <a:srgbClr val="00B0F0"/>
-                </a:solidFill>
-              </a:rPr>
-              <a:t>}						</a:t>
-            </a:r>
-          </a:p>
-          <a:p>
-            <a:r>
-              <a:rPr lang="en-US" dirty="0"/>
-              <a:t>Hooks</a:t>
-            </a:r>
-          </a:p>
-          <a:p>
-            <a:r>
-              <a:rPr lang="en-US" dirty="0"/>
-              <a:t>Types</a:t>
-            </a:r>
-          </a:p>
-          <a:p>
-            <a:pPr lvl="1"/>
-            <a:r>
-              <a:rPr lang="en-US" dirty="0"/>
-              <a:t>Basic type (byte, </a:t>
-            </a:r>
-            <a:r>
-              <a:rPr lang="en-US" dirty="0" err="1"/>
-              <a:t>int</a:t>
-            </a:r>
-            <a:r>
-              <a:rPr lang="en-US" dirty="0"/>
-              <a:t>, float, string, UInt64, </a:t>
-            </a:r>
-            <a:r>
-              <a:rPr lang="en-US" dirty="0" err="1"/>
-              <a:t>etc</a:t>
-            </a:r>
-            <a:r>
-              <a:rPr lang="en-US" dirty="0"/>
-              <a:t>)</a:t>
-            </a:r>
-          </a:p>
-          <a:p>
-            <a:pPr lvl="1"/>
-            <a:r>
-              <a:rPr lang="en-US" dirty="0"/>
-              <a:t>Built-in Unity math type (Vector3, Quaternion, </a:t>
-            </a:r>
-            <a:r>
-              <a:rPr lang="en-US" dirty="0" err="1"/>
-              <a:t>etc</a:t>
-            </a:r>
-            <a:r>
-              <a:rPr lang="en-US" dirty="0"/>
-              <a:t>), </a:t>
-            </a:r>
-          </a:p>
-          <a:p>
-            <a:pPr lvl="1"/>
-            <a:r>
-              <a:rPr lang="en-US" dirty="0" err="1"/>
-              <a:t>Structs</a:t>
-            </a:r>
-            <a:r>
-              <a:rPr lang="en-US" dirty="0"/>
-              <a:t> containing allowable types .</a:t>
+              <a:t>    }</a:t>
             </a:r>
           </a:p>
           <a:p>
@@ -9126,7 +8912,7 @@
               <a:rPr lang="en-US" dirty="0">
                 <a:hlinkClick r:id="rId2"/>
               </a:rPr>
-              <a:t>https://docs.unity3d.com/ScriptReference/Networking.SyncVarAttribute.html</a:t>
+              <a:t>https://docs.unity3d.com/ScriptReference/Networking.ClientRpcAttribute.html</a:t>
             </a:r>
             <a:endParaRPr lang="en-US" dirty="0"/>
           </a:p>
@@ -9162,7 +8948,7 @@
     </p:spTree>
     <p:extLst>
       <p:ext uri="{BB962C8B-B14F-4D97-AF65-F5344CB8AC3E}">
-        <p14:creationId xmlns:p14="http://schemas.microsoft.com/office/powerpoint/2010/main" val="2951878101"/>
+        <p14:creationId xmlns:p14="http://schemas.microsoft.com/office/powerpoint/2010/main" val="3989119585"/>
       </p:ext>
     </p:extLst>
   </p:cSld>
